--- a/其他/薛定谔的猫/薛定谔的猫 - 副本.pptx
+++ b/其他/薛定谔的猫/薛定谔的猫 - 副本.pptx
@@ -9,11 +9,14 @@
     <p:sldId id="268" r:id="rId3"/>
     <p:sldId id="258" r:id="rId4"/>
     <p:sldId id="259" r:id="rId5"/>
-    <p:sldId id="260" r:id="rId6"/>
-    <p:sldId id="262" r:id="rId7"/>
-    <p:sldId id="263" r:id="rId8"/>
-    <p:sldId id="264" r:id="rId9"/>
-    <p:sldId id="267" r:id="rId10"/>
+    <p:sldId id="269" r:id="rId6"/>
+    <p:sldId id="260" r:id="rId7"/>
+    <p:sldId id="270" r:id="rId8"/>
+    <p:sldId id="262" r:id="rId9"/>
+    <p:sldId id="263" r:id="rId10"/>
+    <p:sldId id="264" r:id="rId11"/>
+    <p:sldId id="271" r:id="rId12"/>
+    <p:sldId id="267" r:id="rId13"/>
   </p:sldIdLst>
   <p:sldSz cx="12192000" cy="6858000"/>
   <p:notesSz cx="6858000" cy="9144000"/>
@@ -3014,7 +3017,7 @@
         <p:spPr>
           <a:xfrm>
             <a:off x="741528" y="1758325"/>
-            <a:ext cx="11104728" cy="4401205"/>
+            <a:ext cx="11104728" cy="2800767"/>
           </a:xfrm>
           <a:prstGeom prst="rect">
             <a:avLst/>
@@ -3027,111 +3030,81 @@
           <a:lstStyle/>
           <a:p>
             <a:r>
-              <a:rPr lang="zh-CN" altLang="en-US" sz="4000" b="0" i="0" dirty="0" smtClean="0">
-                <a:effectLst/>
-                <a:latin typeface="arial" panose="020B0604020202020204" pitchFamily="34" charset="0"/>
-              </a:rPr>
-              <a:t>薛定谔的猫是</a:t>
-            </a:r>
-            <a:r>
-              <a:rPr lang="zh-CN" altLang="en-US" sz="4000" b="0" i="0" u="none" strike="noStrike" dirty="0" smtClean="0">
+              <a:rPr lang="zh-CN" altLang="en-US" sz="4400" b="0" i="0" u="none" strike="noStrike" dirty="0" smtClean="0">
                 <a:effectLst/>
                 <a:latin typeface="arial" panose="020B0604020202020204" pitchFamily="34" charset="0"/>
               </a:rPr>
               <a:t>奥地利</a:t>
             </a:r>
             <a:r>
-              <a:rPr lang="zh-CN" altLang="en-US" sz="4000" b="0" i="0" dirty="0" smtClean="0">
+              <a:rPr lang="zh-CN" altLang="en-US" sz="4400" b="0" i="0" dirty="0" smtClean="0">
                 <a:effectLst/>
                 <a:latin typeface="arial" panose="020B0604020202020204" pitchFamily="34" charset="0"/>
               </a:rPr>
               <a:t>著名</a:t>
             </a:r>
             <a:r>
-              <a:rPr lang="zh-CN" altLang="en-US" sz="4000" b="0" i="0" u="none" strike="noStrike" dirty="0" smtClean="0">
+              <a:rPr lang="zh-CN" altLang="en-US" sz="4400" b="0" i="0" u="none" strike="noStrike" dirty="0" smtClean="0">
                 <a:effectLst/>
                 <a:latin typeface="arial" panose="020B0604020202020204" pitchFamily="34" charset="0"/>
               </a:rPr>
               <a:t>物理学家薛定谔</a:t>
             </a:r>
             <a:r>
-              <a:rPr lang="zh-CN" altLang="en-US" sz="4000" b="0" i="0" dirty="0" smtClean="0">
+              <a:rPr lang="zh-CN" altLang="en-US" sz="4400" b="0" i="0" dirty="0" smtClean="0">
                 <a:effectLst/>
                 <a:latin typeface="arial" panose="020B0604020202020204" pitchFamily="34" charset="0"/>
               </a:rPr>
-              <a:t>提出的一个思想实验，试图从宏观尺度阐述微观尺度的</a:t>
-            </a:r>
-            <a:r>
-              <a:rPr lang="zh-CN" altLang="en-US" sz="4000" b="0" i="0" u="none" strike="noStrike" dirty="0" smtClean="0">
+              <a:t>提出的一个思想实验</a:t>
+            </a:r>
+            <a:r>
+              <a:rPr lang="zh-CN" altLang="en-US" sz="4400" b="0" i="0" dirty="0" smtClean="0">
                 <a:effectLst/>
                 <a:latin typeface="arial" panose="020B0604020202020204" pitchFamily="34" charset="0"/>
               </a:rPr>
-              <a:t>量子叠加原理</a:t>
-            </a:r>
-            <a:r>
-              <a:rPr lang="zh-CN" altLang="en-US" sz="4000" b="0" i="0" dirty="0" smtClean="0">
+              <a:t>，</a:t>
+            </a:r>
+            <a:endParaRPr lang="en-US" altLang="zh-CN" sz="4400" b="0" i="0" dirty="0" smtClean="0">
+              <a:effectLst/>
+              <a:latin typeface="arial" panose="020B0604020202020204" pitchFamily="34" charset="0"/>
+            </a:endParaRPr>
+          </a:p>
+          <a:p>
+            <a:endParaRPr lang="en-US" altLang="zh-CN" sz="4400" b="0" i="0" dirty="0" smtClean="0">
+              <a:effectLst/>
+              <a:latin typeface="arial" panose="020B0604020202020204" pitchFamily="34" charset="0"/>
+            </a:endParaRPr>
+          </a:p>
+          <a:p>
+            <a:r>
+              <a:rPr lang="zh-CN" altLang="en-US" sz="4400" b="0" i="0" dirty="0" smtClean="0">
                 <a:effectLst/>
                 <a:latin typeface="arial" panose="020B0604020202020204" pitchFamily="34" charset="0"/>
               </a:rPr>
-              <a:t>的问题，巧妙地把微观物质在观测后是粒子还是波的存在形式和</a:t>
-            </a:r>
-            <a:r>
-              <a:rPr lang="zh-CN" altLang="en-US" sz="4000" b="0" i="0" u="none" strike="noStrike" dirty="0" smtClean="0">
+              <a:t>延伸</a:t>
+            </a:r>
+            <a:r>
+              <a:rPr lang="zh-CN" altLang="en-US" sz="4400" b="0" i="0" dirty="0" smtClean="0">
                 <a:effectLst/>
                 <a:latin typeface="arial" panose="020B0604020202020204" pitchFamily="34" charset="0"/>
               </a:rPr>
-              <a:t>宏观</a:t>
-            </a:r>
-            <a:r>
-              <a:rPr lang="zh-CN" altLang="en-US" sz="4000" b="0" i="0" dirty="0" smtClean="0">
+              <a:t>出了</a:t>
+            </a:r>
+            <a:r>
+              <a:rPr lang="zh-CN" altLang="en-US" sz="4400" b="0" i="0" u="none" strike="noStrike" dirty="0" smtClean="0">
                 <a:effectLst/>
                 <a:latin typeface="arial" panose="020B0604020202020204" pitchFamily="34" charset="0"/>
               </a:rPr>
-              <a:t>的猫联系起来，以此求证观测介入时</a:t>
-            </a:r>
-            <a:r>
-              <a:rPr lang="zh-CN" altLang="en-US" sz="4000" b="0" i="0" u="none" strike="noStrike" dirty="0" smtClean="0">
+              <a:t>平行</a:t>
+            </a:r>
+            <a:r>
+              <a:rPr lang="zh-CN" altLang="en-US" sz="4400" b="0" i="0" u="none" strike="noStrike" dirty="0" smtClean="0">
                 <a:effectLst/>
                 <a:latin typeface="arial" panose="020B0604020202020204" pitchFamily="34" charset="0"/>
               </a:rPr>
-              <a:t>量子</a:t>
-            </a:r>
-            <a:r>
-              <a:rPr lang="zh-CN" altLang="en-US" sz="4000" b="0" i="0" dirty="0" smtClean="0">
-                <a:effectLst/>
-                <a:latin typeface="arial" panose="020B0604020202020204" pitchFamily="34" charset="0"/>
-              </a:rPr>
-              <a:t>的存在形式。随着量子物理学的发展，薛定谔的猫还延伸出了</a:t>
-            </a:r>
-            <a:r>
-              <a:rPr lang="zh-CN" altLang="en-US" sz="4000" b="0" i="0" u="none" strike="noStrike" dirty="0" smtClean="0">
-                <a:effectLst/>
-                <a:latin typeface="arial" panose="020B0604020202020204" pitchFamily="34" charset="0"/>
-              </a:rPr>
-              <a:t>平行宇宙</a:t>
-            </a:r>
-            <a:r>
-              <a:rPr lang="zh-CN" altLang="en-US" sz="4000" b="0" i="0" dirty="0" smtClean="0">
-                <a:effectLst/>
-                <a:latin typeface="arial" panose="020B0604020202020204" pitchFamily="34" charset="0"/>
-              </a:rPr>
-              <a:t>等物理问题和</a:t>
-            </a:r>
-            <a:r>
-              <a:rPr lang="zh-CN" altLang="en-US" sz="4000" b="0" i="0" u="none" strike="noStrike" dirty="0" smtClean="0">
-                <a:effectLst/>
-                <a:latin typeface="arial" panose="020B0604020202020204" pitchFamily="34" charset="0"/>
-              </a:rPr>
-              <a:t>哲学</a:t>
-            </a:r>
-            <a:r>
-              <a:rPr lang="zh-CN" altLang="en-US" sz="4000" b="0" i="0" dirty="0" smtClean="0">
-                <a:effectLst/>
-                <a:latin typeface="arial" panose="020B0604020202020204" pitchFamily="34" charset="0"/>
-              </a:rPr>
-              <a:t>争议。</a:t>
-            </a:r>
-            <a:endParaRPr lang="zh-CN" altLang="en-US" sz="4000" dirty="0"/>
+              <a:t>宇宙</a:t>
+            </a:r>
+            <a:endParaRPr lang="zh-CN" altLang="en-US" sz="4400" dirty="0"/>
           </a:p>
         </p:txBody>
       </p:sp>
@@ -3139,6 +3112,268 @@
     <p:extLst>
       <p:ext uri="{BB962C8B-B14F-4D97-AF65-F5344CB8AC3E}">
         <p14:creationId xmlns:p14="http://schemas.microsoft.com/office/powerpoint/2010/main" val="2704089670"/>
+      </p:ext>
+    </p:extLst>
+  </p:cSld>
+  <p:clrMapOvr>
+    <a:masterClrMapping/>
+  </p:clrMapOvr>
+  <p:timing>
+    <p:tnLst>
+      <p:par>
+        <p:cTn id="1" dur="indefinite" restart="never" nodeType="tmRoot"/>
+      </p:par>
+    </p:tnLst>
+  </p:timing>
+</p:sld>
+</file>
+
+<file path=ppt/slides/slide10.xml><?xml version="1.0" encoding="utf-8"?>
+<p:sld xmlns:a="http://schemas.openxmlformats.org/drawingml/2006/main" xmlns:r="http://schemas.openxmlformats.org/officeDocument/2006/relationships" xmlns:p="http://schemas.openxmlformats.org/presentationml/2006/main">
+  <p:cSld>
+    <p:spTree>
+      <p:nvGrpSpPr>
+        <p:cNvPr id="1" name=""/>
+        <p:cNvGrpSpPr/>
+        <p:nvPr/>
+      </p:nvGrpSpPr>
+      <p:grpSpPr>
+        <a:xfrm>
+          <a:off x="0" y="0"/>
+          <a:ext cx="0" cy="0"/>
+          <a:chOff x="0" y="0"/>
+          <a:chExt cx="0" cy="0"/>
+        </a:xfrm>
+      </p:grpSpPr>
+      <p:sp>
+        <p:nvSpPr>
+          <p:cNvPr id="3" name="矩形 2"/>
+          <p:cNvSpPr/>
+          <p:nvPr/>
+        </p:nvSpPr>
+        <p:spPr>
+          <a:xfrm>
+            <a:off x="436728" y="565329"/>
+            <a:ext cx="11354938" cy="3785652"/>
+          </a:xfrm>
+          <a:prstGeom prst="rect">
+            <a:avLst/>
+          </a:prstGeom>
+        </p:spPr>
+        <p:txBody>
+          <a:bodyPr wrap="square">
+            <a:spAutoFit/>
+          </a:bodyPr>
+          <a:lstStyle/>
+          <a:p>
+            <a:r>
+              <a:rPr lang="zh-CN" altLang="en-US" sz="4800" dirty="0" smtClean="0"/>
+              <a:t>在</a:t>
+            </a:r>
+            <a:r>
+              <a:rPr lang="zh-CN" altLang="en-US" sz="4800" dirty="0" smtClean="0"/>
+              <a:t>一个封闭的大箱子里，放一只猫。箱子里有个放射性装置，里面的放射性物质在一小时之内，可能衰变，也可能不衰变。如果衰变，那它就会触发一个装置，装置打碎瓶子，瓶子里面有杀猫毒气。 </a:t>
+            </a:r>
+            <a:endParaRPr lang="en-US" altLang="zh-CN" sz="4800" dirty="0" smtClean="0"/>
+          </a:p>
+        </p:txBody>
+      </p:sp>
+    </p:spTree>
+    <p:extLst>
+      <p:ext uri="{BB962C8B-B14F-4D97-AF65-F5344CB8AC3E}">
+        <p14:creationId xmlns:p14="http://schemas.microsoft.com/office/powerpoint/2010/main" val="1522054385"/>
+      </p:ext>
+    </p:extLst>
+  </p:cSld>
+  <p:clrMapOvr>
+    <a:masterClrMapping/>
+  </p:clrMapOvr>
+  <p:timing>
+    <p:tnLst>
+      <p:par>
+        <p:cTn id="1" dur="indefinite" restart="never" nodeType="tmRoot"/>
+      </p:par>
+    </p:tnLst>
+  </p:timing>
+</p:sld>
+</file>
+
+<file path=ppt/slides/slide11.xml><?xml version="1.0" encoding="utf-8"?>
+<p:sld xmlns:a="http://schemas.openxmlformats.org/drawingml/2006/main" xmlns:r="http://schemas.openxmlformats.org/officeDocument/2006/relationships" xmlns:p="http://schemas.openxmlformats.org/presentationml/2006/main">
+  <p:cSld>
+    <p:spTree>
+      <p:nvGrpSpPr>
+        <p:cNvPr id="1" name=""/>
+        <p:cNvGrpSpPr/>
+        <p:nvPr/>
+      </p:nvGrpSpPr>
+      <p:grpSpPr>
+        <a:xfrm>
+          <a:off x="0" y="0"/>
+          <a:ext cx="0" cy="0"/>
+          <a:chOff x="0" y="0"/>
+          <a:chExt cx="0" cy="0"/>
+        </a:xfrm>
+      </p:grpSpPr>
+      <p:sp>
+        <p:nvSpPr>
+          <p:cNvPr id="3" name="矩形 2"/>
+          <p:cNvSpPr/>
+          <p:nvPr/>
+        </p:nvSpPr>
+        <p:spPr>
+          <a:xfrm>
+            <a:off x="436728" y="565329"/>
+            <a:ext cx="11354938" cy="4524315"/>
+          </a:xfrm>
+          <a:prstGeom prst="rect">
+            <a:avLst/>
+          </a:prstGeom>
+        </p:spPr>
+        <p:txBody>
+          <a:bodyPr wrap="square">
+            <a:spAutoFit/>
+          </a:bodyPr>
+          <a:lstStyle/>
+          <a:p>
+            <a:r>
+              <a:rPr lang="zh-CN" altLang="en-US" sz="4800" dirty="0"/>
+              <a:t>在你打开箱子看之前，那个放射性物质处在“衰变”和“没有衰变”的量子叠加态 </a:t>
+            </a:r>
+            <a:r>
+              <a:rPr lang="en-US" altLang="zh-CN" sz="4800" dirty="0"/>
+              <a:t>—— </a:t>
+            </a:r>
+            <a:r>
+              <a:rPr lang="zh-CN" altLang="en-US" sz="4800" dirty="0"/>
+              <a:t>既衰变了，也没有衰变。那么请问，在你打开箱子看之前，那只猫 </a:t>
+            </a:r>
+            <a:r>
+              <a:rPr lang="en-US" altLang="zh-CN" sz="4800" dirty="0"/>
+              <a:t>—— </a:t>
+            </a:r>
+            <a:r>
+              <a:rPr lang="zh-CN" altLang="en-US" sz="4800" dirty="0"/>
+              <a:t>一个宏观的物体 </a:t>
+            </a:r>
+            <a:r>
+              <a:rPr lang="en-US" altLang="zh-CN" sz="4800" dirty="0"/>
+              <a:t>—— </a:t>
+            </a:r>
+            <a:r>
+              <a:rPr lang="zh-CN" altLang="en-US" sz="4800" dirty="0"/>
+              <a:t>难道也处在量子叠加态吗？什么叫“猫既是死的，也是活的？</a:t>
+            </a:r>
+            <a:endParaRPr lang="zh-CN" altLang="en-US" sz="4800" dirty="0"/>
+          </a:p>
+        </p:txBody>
+      </p:sp>
+      <p:sp>
+        <p:nvSpPr>
+          <p:cNvPr id="5" name="矩形 4"/>
+          <p:cNvSpPr/>
+          <p:nvPr/>
+        </p:nvSpPr>
+        <p:spPr>
+          <a:xfrm>
+            <a:off x="436728" y="5308980"/>
+            <a:ext cx="11254855" cy="1446550"/>
+          </a:xfrm>
+          <a:prstGeom prst="rect">
+            <a:avLst/>
+          </a:prstGeom>
+        </p:spPr>
+        <p:txBody>
+          <a:bodyPr wrap="square">
+            <a:spAutoFit/>
+          </a:bodyPr>
+          <a:lstStyle/>
+          <a:p>
+            <a:r>
+              <a:rPr lang="zh-CN" altLang="en-US" sz="4400" dirty="0" smtClean="0"/>
+              <a:t>这个思想实验把微观的量子不确定性和宏观世界直接联系在了一起。</a:t>
+            </a:r>
+            <a:endParaRPr lang="zh-CN" altLang="en-US" sz="4400" dirty="0"/>
+          </a:p>
+        </p:txBody>
+      </p:sp>
+    </p:spTree>
+    <p:extLst>
+      <p:ext uri="{BB962C8B-B14F-4D97-AF65-F5344CB8AC3E}">
+        <p14:creationId xmlns:p14="http://schemas.microsoft.com/office/powerpoint/2010/main" val="2231729317"/>
+      </p:ext>
+    </p:extLst>
+  </p:cSld>
+  <p:clrMapOvr>
+    <a:masterClrMapping/>
+  </p:clrMapOvr>
+  <p:timing>
+    <p:tnLst>
+      <p:par>
+        <p:cTn id="1" dur="indefinite" restart="never" nodeType="tmRoot"/>
+      </p:par>
+    </p:tnLst>
+  </p:timing>
+</p:sld>
+</file>
+
+<file path=ppt/slides/slide12.xml><?xml version="1.0" encoding="utf-8"?>
+<p:sld xmlns:a="http://schemas.openxmlformats.org/drawingml/2006/main" xmlns:r="http://schemas.openxmlformats.org/officeDocument/2006/relationships" xmlns:p="http://schemas.openxmlformats.org/presentationml/2006/main">
+  <p:cSld>
+    <p:spTree>
+      <p:nvGrpSpPr>
+        <p:cNvPr id="1" name=""/>
+        <p:cNvGrpSpPr/>
+        <p:nvPr/>
+      </p:nvGrpSpPr>
+      <p:grpSpPr>
+        <a:xfrm>
+          <a:off x="0" y="0"/>
+          <a:ext cx="0" cy="0"/>
+          <a:chOff x="0" y="0"/>
+          <a:chExt cx="0" cy="0"/>
+        </a:xfrm>
+      </p:grpSpPr>
+      <p:sp>
+        <p:nvSpPr>
+          <p:cNvPr id="3" name="矩形 2"/>
+          <p:cNvSpPr/>
+          <p:nvPr/>
+        </p:nvSpPr>
+        <p:spPr>
+          <a:xfrm>
+            <a:off x="573205" y="354841"/>
+            <a:ext cx="10931858" cy="6186309"/>
+          </a:xfrm>
+          <a:prstGeom prst="rect">
+            <a:avLst/>
+          </a:prstGeom>
+        </p:spPr>
+        <p:txBody>
+          <a:bodyPr wrap="square">
+            <a:spAutoFit/>
+          </a:bodyPr>
+          <a:lstStyle/>
+          <a:p>
+            <a:r>
+              <a:rPr lang="zh-CN" altLang="en-US" sz="4400" dirty="0" smtClean="0"/>
+              <a:t>薛定谔的“滚”？</a:t>
+            </a:r>
+            <a:endParaRPr lang="en-US" altLang="zh-CN" sz="4400" dirty="0" smtClean="0"/>
+          </a:p>
+          <a:p>
+            <a:r>
+              <a:rPr lang="zh-CN" altLang="en-US" sz="4400" dirty="0" smtClean="0"/>
+              <a:t>当你的女朋友对你说出“滚”时，即进入了薛定谔的“滚”的状态。在这时，女朋友可能是想让你抱住她，也可能是让你真的滚。在你作出实际的动作之前，女朋友处于既要你紧紧抱住她，又要你真的有多远滚多远的叠加状态，你能预见到这两种状态但又永远无法确定女朋友到底要闹哪样，直到你进行下一步行动。</a:t>
+            </a:r>
+            <a:endParaRPr lang="zh-CN" altLang="en-US" sz="4400" dirty="0"/>
+          </a:p>
+        </p:txBody>
+      </p:sp>
+    </p:spTree>
+    <p:extLst>
+      <p:ext uri="{BB962C8B-B14F-4D97-AF65-F5344CB8AC3E}">
+        <p14:creationId xmlns:p14="http://schemas.microsoft.com/office/powerpoint/2010/main" val="604802966"/>
       </p:ext>
     </p:extLst>
   </p:cSld>
@@ -3181,7 +3416,7 @@
         <p:spPr>
           <a:xfrm>
             <a:off x="1038241" y="733147"/>
-            <a:ext cx="2441694" cy="769441"/>
+            <a:ext cx="3262432" cy="1015663"/>
           </a:xfrm>
           <a:prstGeom prst="rect">
             <a:avLst/>
@@ -3194,10 +3429,9 @@
           <a:lstStyle/>
           <a:p>
             <a:r>
-              <a:rPr lang="zh-CN" altLang="en-US" sz="4400" dirty="0"/>
+              <a:rPr lang="zh-CN" altLang="en-US" sz="6000" dirty="0"/>
               <a:t>量子力学</a:t>
             </a:r>
-            <a:endParaRPr lang="zh-CN" altLang="en-US" sz="4400" dirty="0"/>
           </a:p>
         </p:txBody>
       </p:sp>
@@ -3209,8 +3443,8 @@
         </p:nvSpPr>
         <p:spPr>
           <a:xfrm>
-            <a:off x="1133775" y="1824966"/>
-            <a:ext cx="8392041" cy="584775"/>
+            <a:off x="546921" y="2534650"/>
+            <a:ext cx="11469807" cy="769441"/>
           </a:xfrm>
           <a:prstGeom prst="rect">
             <a:avLst/>
@@ -3223,12 +3457,12 @@
           <a:lstStyle/>
           <a:p>
             <a:r>
-              <a:rPr lang="zh-CN" altLang="en-US" sz="3200" dirty="0">
+              <a:rPr lang="zh-CN" altLang="en-US" sz="4400" dirty="0">
                 <a:latin typeface="arial" panose="020B0604020202020204" pitchFamily="34" charset="0"/>
               </a:rPr>
               <a:t>研究物质世界微观粒子运动规律的物理学分支</a:t>
             </a:r>
-            <a:endParaRPr lang="zh-CN" altLang="en-US" sz="3200" dirty="0"/>
+            <a:endParaRPr lang="zh-CN" altLang="en-US" sz="4400" dirty="0"/>
           </a:p>
         </p:txBody>
       </p:sp>
@@ -3407,7 +3641,6 @@
               <a:rPr lang="zh-CN" altLang="en-US" sz="4000" b="1" dirty="0"/>
               <a:t>叠加态</a:t>
             </a:r>
-            <a:endParaRPr lang="zh-CN" altLang="en-US" sz="4000" b="1" dirty="0"/>
           </a:p>
         </p:txBody>
       </p:sp>
@@ -3419,8 +3652,8 @@
         </p:nvSpPr>
         <p:spPr>
           <a:xfrm>
-            <a:off x="423032" y="1091821"/>
-            <a:ext cx="11341338" cy="5693866"/>
+            <a:off x="423032" y="1269242"/>
+            <a:ext cx="11341338" cy="5509200"/>
           </a:xfrm>
           <a:prstGeom prst="rect">
             <a:avLst/>
@@ -3433,79 +3666,42 @@
           <a:lstStyle/>
           <a:p>
             <a:r>
-              <a:rPr lang="zh-CN" altLang="en-US" sz="2800" dirty="0" smtClean="0"/>
+              <a:rPr lang="zh-CN" altLang="en-US" sz="4400" dirty="0" smtClean="0"/>
               <a:t>只</a:t>
             </a:r>
             <a:r>
-              <a:rPr lang="zh-CN" altLang="en-US" sz="2800" dirty="0"/>
+              <a:rPr lang="zh-CN" altLang="en-US" sz="4400" dirty="0"/>
               <a:t>发射*一个*</a:t>
             </a:r>
             <a:r>
-              <a:rPr lang="zh-CN" altLang="en-US" sz="2800" dirty="0" smtClean="0"/>
+              <a:rPr lang="zh-CN" altLang="en-US" sz="4400" dirty="0" smtClean="0"/>
               <a:t>光子</a:t>
             </a:r>
             <a:r>
-              <a:rPr lang="en-US" altLang="zh-CN" sz="2800" dirty="0" smtClean="0"/>
+              <a:rPr lang="en-US" altLang="zh-CN" sz="4400" dirty="0" smtClean="0"/>
               <a:t>,</a:t>
             </a:r>
             <a:r>
-              <a:rPr lang="zh-CN" altLang="en-US" sz="2800" dirty="0" smtClean="0"/>
+              <a:rPr lang="zh-CN" altLang="en-US" sz="4400" dirty="0" smtClean="0"/>
               <a:t>结果</a:t>
             </a:r>
             <a:r>
-              <a:rPr lang="zh-CN" altLang="en-US" sz="2800" dirty="0"/>
+              <a:rPr lang="zh-CN" altLang="en-US" sz="4400" dirty="0"/>
               <a:t>还是干涉条纹！这就不对了。我们发射的是一个不可分割的光子，它跟谁干涉产生的条纹呢？答案只能是它自己跟自己干涉 —— 它同时通过了两个缝</a:t>
             </a:r>
             <a:r>
-              <a:rPr lang="zh-CN" altLang="en-US" sz="2800" dirty="0" smtClean="0"/>
+              <a:rPr lang="zh-CN" altLang="en-US" sz="4400" dirty="0" smtClean="0"/>
               <a:t>！这</a:t>
             </a:r>
             <a:r>
-              <a:rPr lang="zh-CN" altLang="en-US" sz="2800" dirty="0"/>
+              <a:rPr lang="zh-CN" altLang="en-US" sz="4400" dirty="0"/>
               <a:t>一个粒子，怎么可能同时经过两个门，还自己遇见了自己，并且产生了干涉条纹呢？这就是量子力学中的“叠加态”。粒子，既在这里，也在那里</a:t>
             </a:r>
             <a:r>
-              <a:rPr lang="zh-CN" altLang="en-US" sz="2800" dirty="0" smtClean="0"/>
+              <a:rPr lang="zh-CN" altLang="en-US" sz="4400" dirty="0" smtClean="0"/>
               <a:t>。</a:t>
             </a:r>
-            <a:endParaRPr lang="en-US" altLang="zh-CN" sz="2800" dirty="0" smtClean="0"/>
-          </a:p>
-          <a:p>
-            <a:endParaRPr lang="en-US" altLang="zh-CN" sz="2800" dirty="0"/>
-          </a:p>
-          <a:p>
-            <a:r>
-              <a:rPr lang="zh-CN" altLang="en-US" sz="2800" dirty="0" smtClean="0"/>
-              <a:t>当</a:t>
-            </a:r>
-            <a:r>
-              <a:rPr lang="zh-CN" altLang="en-US" sz="2800" dirty="0"/>
-              <a:t>你观测的时候，有一定的几率观测到正的，一定的几率观测到负的。在你观测之前，它既是正的也是负的。注意，这个“既是……，也是……”和“或者是……，或者是……”有本质的区别</a:t>
-            </a:r>
-            <a:r>
-              <a:rPr lang="zh-CN" altLang="en-US" sz="2800" dirty="0" smtClean="0"/>
-              <a:t>。</a:t>
-            </a:r>
-            <a:r>
-              <a:rPr lang="zh-CN" altLang="en-US" sz="2800" dirty="0"/>
-              <a:t> “既从左边的缝通过，又从右边的缝通过” —— 才有干涉条纹。在观测之前，你不能确定它在哪里。你一观测，叠加态塌缩了，你才得到一个确定</a:t>
-            </a:r>
-            <a:r>
-              <a:rPr lang="zh-CN" altLang="en-US" sz="2800" dirty="0" smtClean="0"/>
-              <a:t>的状态。</a:t>
-            </a:r>
-            <a:endParaRPr lang="en-US" altLang="zh-CN" sz="2800" dirty="0" smtClean="0"/>
-          </a:p>
-          <a:p>
-            <a:r>
-              <a:rPr lang="zh-CN" altLang="en-US" sz="2800" dirty="0"/>
-              <a:t>微观世界里的东西，在被观测之前，可以没有一个固定的状态，是几种状态的叠加态 —— 也就是“既……，又……”</a:t>
-            </a:r>
-            <a:r>
-              <a:rPr lang="zh-CN" altLang="en-US" sz="2800" dirty="0" smtClean="0"/>
-              <a:t>。</a:t>
-            </a:r>
-            <a:endParaRPr lang="zh-CN" altLang="en-US" sz="2800" dirty="0"/>
+            <a:endParaRPr lang="en-US" altLang="zh-CN" sz="4400" dirty="0" smtClean="0"/>
           </a:p>
         </p:txBody>
       </p:sp>
@@ -3554,8 +3750,8 @@
         </p:nvSpPr>
         <p:spPr>
           <a:xfrm>
-            <a:off x="259306" y="1402548"/>
-            <a:ext cx="11709779" cy="5262979"/>
+            <a:off x="177372" y="191069"/>
+            <a:ext cx="11341338" cy="6863417"/>
           </a:xfrm>
           <a:prstGeom prst="rect">
             <a:avLst/>
@@ -3568,85 +3764,44 @@
           <a:lstStyle/>
           <a:p>
             <a:r>
-              <a:rPr lang="zh-CN" altLang="en-US" sz="2800" dirty="0" smtClean="0"/>
-              <a:t>在观测之前，你不能确定它在哪里。你一观测，叠加态塌缩了，你才得到一个确定的状态。 </a:t>
-            </a:r>
-            <a:endParaRPr lang="en-US" altLang="zh-CN" sz="2800" dirty="0" smtClean="0"/>
-          </a:p>
-          <a:p>
-            <a:r>
-              <a:rPr lang="zh-CN" altLang="en-US" sz="2800" dirty="0" smtClean="0"/>
-              <a:t>说到这里，我要澄清一个流行的错误看法。有人认为，你说的这个波函数塌缩无非就是“观测扰动了被观测的物体”，没有什么神奇的 </a:t>
-            </a:r>
-            <a:r>
-              <a:rPr lang="en-US" altLang="zh-CN" sz="2800" dirty="0" smtClean="0"/>
-              <a:t>—— </a:t>
-            </a:r>
-            <a:r>
-              <a:rPr lang="zh-CN" altLang="en-US" sz="2800" dirty="0" smtClean="0"/>
-              <a:t>这是对“测不准原理”的一个错误理解。</a:t>
-            </a:r>
-            <a:endParaRPr lang="en-US" altLang="zh-CN" sz="2800" dirty="0"/>
-          </a:p>
-          <a:p>
-            <a:r>
-              <a:rPr lang="zh-CN" altLang="en-US" sz="2800" dirty="0" smtClean="0"/>
-              <a:t>比如你要测量一个电子，为了测量，你必须把一个光子打到这个电子身上，看光子怎么反弹回来。可是微观世界里的东西都很“弱”，你用光子这么一打，电子的轨道和速度就被你干扰了，所以你的测量这个动作本身其实就已经改变了电子，那你这个测量肯定就是不准的</a:t>
-            </a:r>
-            <a:r>
-              <a:rPr lang="zh-CN" altLang="en-US" sz="2800" dirty="0" smtClean="0"/>
+              <a:rPr lang="zh-CN" altLang="en-US" sz="4000" dirty="0" smtClean="0"/>
+              <a:t>当</a:t>
+            </a:r>
+            <a:r>
+              <a:rPr lang="zh-CN" altLang="en-US" sz="4000" dirty="0"/>
+              <a:t>你观测的时候，有一定的几率观测到正的，一定的几率观测到负的。在你观测之前，它既是正的也是负的。注意，这个“既是……，也是……”和“或者是……，或者是……”有本质的区别</a:t>
+            </a:r>
+            <a:r>
+              <a:rPr lang="zh-CN" altLang="en-US" sz="4000" dirty="0" smtClean="0"/>
               <a:t>。</a:t>
             </a:r>
-            <a:endParaRPr lang="en-US" altLang="zh-CN" sz="2800" dirty="0" smtClean="0"/>
-          </a:p>
-          <a:p>
-            <a:r>
-              <a:rPr lang="zh-CN" altLang="en-US" sz="2800" dirty="0" smtClean="0"/>
-              <a:t> </a:t>
-            </a:r>
-            <a:r>
-              <a:rPr lang="zh-CN" altLang="en-US" sz="2800" dirty="0"/>
-              <a:t>“你爱我吗？” —— 你这个测量动作本身就可能改变ta，也许ta之前并不爱你，你这一问，ta以为你爱ta，结果ta当场爱上你了。</a:t>
-            </a:r>
-          </a:p>
-          <a:p>
-            <a:endParaRPr lang="zh-CN" altLang="en-US" sz="2800" dirty="0"/>
-          </a:p>
-        </p:txBody>
-      </p:sp>
-      <p:sp>
-        <p:nvSpPr>
-          <p:cNvPr id="6" name="矩形 5"/>
-          <p:cNvSpPr/>
-          <p:nvPr/>
-        </p:nvSpPr>
-        <p:spPr>
-          <a:xfrm>
-            <a:off x="259306" y="282770"/>
-            <a:ext cx="2031325" cy="830997"/>
-          </a:xfrm>
-          <a:prstGeom prst="rect">
-            <a:avLst/>
-          </a:prstGeom>
-        </p:spPr>
-        <p:txBody>
-          <a:bodyPr wrap="none">
-            <a:spAutoFit/>
-          </a:bodyPr>
-          <a:lstStyle/>
-          <a:p>
-            <a:r>
-              <a:rPr lang="zh-CN" altLang="en-US" sz="4800" b="1" dirty="0" smtClean="0"/>
-              <a:t>测不准</a:t>
-            </a:r>
-            <a:endParaRPr lang="en-US" altLang="zh-CN" sz="4800" b="1" dirty="0" smtClean="0"/>
+            <a:r>
+              <a:rPr lang="zh-CN" altLang="en-US" sz="4000" dirty="0"/>
+              <a:t> “既从左边的缝通过，又从右边的缝通过” —— 才有干涉条纹。在观测之前，你不能确定它在哪里。你一观测，叠加态塌缩了，你才得到一个确定</a:t>
+            </a:r>
+            <a:r>
+              <a:rPr lang="zh-CN" altLang="en-US" sz="4000" dirty="0" smtClean="0"/>
+              <a:t>的状态。</a:t>
+            </a:r>
+            <a:endParaRPr lang="en-US" altLang="zh-CN" sz="4000" dirty="0" smtClean="0"/>
+          </a:p>
+          <a:p>
+            <a:r>
+              <a:rPr lang="zh-CN" altLang="en-US" sz="4000" dirty="0"/>
+              <a:t>微观世界里的东西，在被观测之前，可以没有一个固定的状态，是几种状态的叠加态 —— 也就是“既……，又……”</a:t>
+            </a:r>
+            <a:r>
+              <a:rPr lang="zh-CN" altLang="en-US" sz="4000" dirty="0" smtClean="0"/>
+              <a:t>。</a:t>
+            </a:r>
+            <a:endParaRPr lang="zh-CN" altLang="en-US" sz="4000" dirty="0"/>
           </a:p>
         </p:txBody>
       </p:sp>
     </p:spTree>
     <p:extLst>
       <p:ext uri="{BB962C8B-B14F-4D97-AF65-F5344CB8AC3E}">
-        <p14:creationId xmlns:p14="http://schemas.microsoft.com/office/powerpoint/2010/main" val="1032514456"/>
+        <p14:creationId xmlns:p14="http://schemas.microsoft.com/office/powerpoint/2010/main" val="3562806411"/>
       </p:ext>
     </p:extLst>
   </p:cSld>
@@ -3682,13 +3837,63 @@
       </p:grpSpPr>
       <p:sp>
         <p:nvSpPr>
-          <p:cNvPr id="2" name="矩形 1"/>
+          <p:cNvPr id="3" name="矩形 2"/>
           <p:cNvSpPr/>
           <p:nvPr/>
         </p:nvSpPr>
         <p:spPr>
           <a:xfrm>
-            <a:off x="373039" y="187235"/>
+            <a:off x="259306" y="1113767"/>
+            <a:ext cx="11709779" cy="6247864"/>
+          </a:xfrm>
+          <a:prstGeom prst="rect">
+            <a:avLst/>
+          </a:prstGeom>
+        </p:spPr>
+        <p:txBody>
+          <a:bodyPr wrap="square">
+            <a:spAutoFit/>
+          </a:bodyPr>
+          <a:lstStyle/>
+          <a:p>
+            <a:r>
+              <a:rPr lang="zh-CN" altLang="en-US" sz="4000" dirty="0" smtClean="0"/>
+              <a:t>在观测之前，你不能确定它在哪里。你一观测，叠加态塌缩了，你才得到一个确定的状态。 </a:t>
+            </a:r>
+            <a:endParaRPr lang="en-US" altLang="zh-CN" sz="4000" dirty="0" smtClean="0"/>
+          </a:p>
+          <a:p>
+            <a:endParaRPr lang="en-US" altLang="zh-CN" sz="4000" dirty="0" smtClean="0"/>
+          </a:p>
+          <a:p>
+            <a:r>
+              <a:rPr lang="zh-CN" altLang="en-US" sz="4000" dirty="0" smtClean="0"/>
+              <a:t>比如</a:t>
+            </a:r>
+            <a:r>
+              <a:rPr lang="zh-CN" altLang="en-US" sz="4000" dirty="0" smtClean="0"/>
+              <a:t>你要测量一个电子，为了测量，你必须把一个光子打到这个电子身上，看光子怎么反弹回来。可是微观世界里的东西都很“弱”，你用光子这么一打，电子的轨道和速度就被你干扰了，所以你的测量这个动作本身其实就已经改变了电子，那你这个测量肯定就是不准的。</a:t>
+            </a:r>
+            <a:endParaRPr lang="en-US" altLang="zh-CN" sz="4000" dirty="0" smtClean="0"/>
+          </a:p>
+          <a:p>
+            <a:r>
+              <a:rPr lang="zh-CN" altLang="en-US" sz="4000" dirty="0" smtClean="0"/>
+              <a:t> </a:t>
+            </a:r>
+            <a:endParaRPr lang="zh-CN" altLang="en-US" sz="4000" dirty="0"/>
+          </a:p>
+        </p:txBody>
+      </p:sp>
+      <p:sp>
+        <p:nvSpPr>
+          <p:cNvPr id="6" name="矩形 5"/>
+          <p:cNvSpPr/>
+          <p:nvPr/>
+        </p:nvSpPr>
+        <p:spPr>
+          <a:xfrm>
+            <a:off x="259306" y="282770"/>
             <a:ext cx="2031325" cy="830997"/>
           </a:xfrm>
           <a:prstGeom prst="rect">
@@ -3703,44 +3908,16 @@
           <a:p>
             <a:r>
               <a:rPr lang="zh-CN" altLang="en-US" sz="4800" b="1" dirty="0" smtClean="0"/>
-              <a:t>不存在</a:t>
-            </a:r>
-            <a:endParaRPr lang="zh-CN" altLang="en-US" sz="4800" b="1" dirty="0"/>
-          </a:p>
-        </p:txBody>
-      </p:sp>
-      <p:sp>
-        <p:nvSpPr>
-          <p:cNvPr id="4" name="矩形 3"/>
-          <p:cNvSpPr/>
-          <p:nvPr/>
-        </p:nvSpPr>
-        <p:spPr>
-          <a:xfrm>
-            <a:off x="373039" y="1272992"/>
-            <a:ext cx="11186615" cy="2862322"/>
-          </a:xfrm>
-          <a:prstGeom prst="rect">
-            <a:avLst/>
-          </a:prstGeom>
-        </p:spPr>
-        <p:txBody>
-          <a:bodyPr wrap="square">
-            <a:spAutoFit/>
-          </a:bodyPr>
-          <a:lstStyle/>
-          <a:p>
-            <a:r>
-              <a:rPr lang="zh-CN" altLang="en-US" sz="3600" dirty="0"/>
-              <a:t>如果仅仅是“测不准”，那就是“或者在这里或者在那里”，只不过我测不准，或者我的测量改变了原本的结果而已。但量子力学是“既在这里又在那里” —— 不仅仅你测不准，而是观测之前根本就*不存在*一个特定的位置。</a:t>
-            </a:r>
+              <a:t>测不准</a:t>
+            </a:r>
+            <a:endParaRPr lang="en-US" altLang="zh-CN" sz="4800" b="1" dirty="0" smtClean="0"/>
           </a:p>
         </p:txBody>
       </p:sp>
     </p:spTree>
     <p:extLst>
       <p:ext uri="{BB962C8B-B14F-4D97-AF65-F5344CB8AC3E}">
-        <p14:creationId xmlns:p14="http://schemas.microsoft.com/office/powerpoint/2010/main" val="3202752590"/>
+        <p14:creationId xmlns:p14="http://schemas.microsoft.com/office/powerpoint/2010/main" val="1032514456"/>
       </p:ext>
     </p:extLst>
   </p:cSld>
@@ -3782,8 +3959,8 @@
         </p:nvSpPr>
         <p:spPr>
           <a:xfrm>
-            <a:off x="364110" y="970045"/>
-            <a:ext cx="11259403" cy="5632311"/>
+            <a:off x="259306" y="1402548"/>
+            <a:ext cx="11709779" cy="2308324"/>
           </a:xfrm>
           <a:prstGeom prst="rect">
             <a:avLst/>
@@ -3796,54 +3973,23 @@
           <a:lstStyle/>
           <a:p>
             <a:r>
-              <a:rPr lang="zh-CN" altLang="en-US" sz="3600" dirty="0" smtClean="0"/>
-              <a:t>这个问题，在量子力学框架内，你根本就不应该问 </a:t>
-            </a:r>
-            <a:r>
-              <a:rPr lang="en-US" altLang="zh-CN" sz="3600" dirty="0" smtClean="0"/>
-              <a:t>—— </a:t>
-            </a:r>
-            <a:r>
-              <a:rPr lang="zh-CN" altLang="en-US" sz="3600" dirty="0" smtClean="0"/>
-              <a:t>因为具体位置没有意义。</a:t>
-            </a:r>
-            <a:endParaRPr lang="en-US" altLang="zh-CN" sz="3600" dirty="0" smtClean="0"/>
-          </a:p>
-          <a:p>
-            <a:r>
-              <a:rPr lang="zh-CN" altLang="en-US" sz="3600" dirty="0" smtClean="0"/>
-              <a:t>下面这张图，左边是我们传统上对电子位置的想象 </a:t>
-            </a:r>
-            <a:r>
-              <a:rPr lang="en-US" altLang="zh-CN" sz="3600" dirty="0" smtClean="0"/>
-              <a:t>—— </a:t>
-            </a:r>
-            <a:r>
-              <a:rPr lang="zh-CN" altLang="en-US" sz="3600" dirty="0" smtClean="0"/>
-              <a:t>它就好像一个行星绕着太阳转一样，在一个轨道上绕着原子核转。这个图像是错误的。电子根本就没有什么轨道，根本就没有什么“位置”。 正确图像是右边这个，电子是一片“云” </a:t>
-            </a:r>
-            <a:r>
-              <a:rPr lang="en-US" altLang="zh-CN" sz="3600" dirty="0" smtClean="0"/>
-              <a:t>—— </a:t>
-            </a:r>
-            <a:r>
-              <a:rPr lang="zh-CN" altLang="en-US" sz="3600" dirty="0" smtClean="0"/>
-              <a:t>在你测量它之前，它*同时*出现在原子核附近的所有地方。这就是微观世界。我们在宏观世界的一些概念，位置、速度，甚至时间，在微观世界都要重新反思。</a:t>
-            </a:r>
-            <a:endParaRPr lang="zh-CN" altLang="en-US" sz="3600" dirty="0"/>
-          </a:p>
-        </p:txBody>
-      </p:sp>
-      <p:sp>
-        <p:nvSpPr>
-          <p:cNvPr id="2" name="矩形 1"/>
+              <a:rPr lang="zh-CN" altLang="en-US" sz="4800" dirty="0"/>
+              <a:t>“你爱我吗？” —— 你这个测量动作本身就可能改变ta，也许ta之前并不爱你，你这一问，ta以为你爱ta，结果ta当场爱上你了。</a:t>
+            </a:r>
+            <a:endParaRPr lang="zh-CN" altLang="en-US" sz="4800" dirty="0"/>
+          </a:p>
+        </p:txBody>
+      </p:sp>
+      <p:sp>
+        <p:nvSpPr>
+          <p:cNvPr id="6" name="矩形 5"/>
           <p:cNvSpPr/>
           <p:nvPr/>
         </p:nvSpPr>
         <p:spPr>
           <a:xfrm>
-            <a:off x="364110" y="323714"/>
-            <a:ext cx="8494633" cy="646331"/>
+            <a:off x="259306" y="282770"/>
+            <a:ext cx="2031325" cy="830997"/>
           </a:xfrm>
           <a:prstGeom prst="rect">
             <a:avLst/>
@@ -3856,17 +4002,17 @@
           <a:lstStyle/>
           <a:p>
             <a:r>
-              <a:rPr lang="zh-CN" altLang="en-US" sz="3600" dirty="0" smtClean="0"/>
-              <a:t>这个原子中的这个电子现在到底在哪里？</a:t>
-            </a:r>
-            <a:endParaRPr lang="zh-CN" altLang="en-US" sz="3600" dirty="0"/>
+              <a:rPr lang="zh-CN" altLang="en-US" sz="4800" b="1" dirty="0" smtClean="0"/>
+              <a:t>测不准</a:t>
+            </a:r>
+            <a:endParaRPr lang="en-US" altLang="zh-CN" sz="4800" b="1" dirty="0" smtClean="0"/>
           </a:p>
         </p:txBody>
       </p:sp>
     </p:spTree>
     <p:extLst>
       <p:ext uri="{BB962C8B-B14F-4D97-AF65-F5344CB8AC3E}">
-        <p14:creationId xmlns:p14="http://schemas.microsoft.com/office/powerpoint/2010/main" val="1854087890"/>
+        <p14:creationId xmlns:p14="http://schemas.microsoft.com/office/powerpoint/2010/main" val="1530521934"/>
       </p:ext>
     </p:extLst>
   </p:cSld>
@@ -3902,61 +4048,30 @@
       </p:grpSpPr>
       <p:sp>
         <p:nvSpPr>
-          <p:cNvPr id="3" name="矩形 2"/>
+          <p:cNvPr id="2" name="矩形 1"/>
           <p:cNvSpPr/>
           <p:nvPr/>
         </p:nvSpPr>
         <p:spPr>
           <a:xfrm>
-            <a:off x="436728" y="565329"/>
-            <a:ext cx="11354938" cy="4031873"/>
+            <a:off x="373039" y="187235"/>
+            <a:ext cx="2031325" cy="830997"/>
           </a:xfrm>
           <a:prstGeom prst="rect">
             <a:avLst/>
           </a:prstGeom>
         </p:spPr>
         <p:txBody>
-          <a:bodyPr wrap="square">
+          <a:bodyPr wrap="none">
             <a:spAutoFit/>
           </a:bodyPr>
           <a:lstStyle/>
           <a:p>
             <a:r>
-              <a:rPr lang="zh-CN" altLang="en-US" sz="3200" dirty="0" smtClean="0"/>
-              <a:t>然后薛定谔就提出一个思想实验。在一个封闭的大箱子里，放一只猫。箱子里有个放射性装置，里面的放射性物质在一小时之内，可能衰变，也可能不衰变。如果衰变，那它就会触发一个装置，装置打碎瓶子，瓶子里面有杀猫毒气。 </a:t>
-            </a:r>
-            <a:endParaRPr lang="en-US" altLang="zh-CN" sz="3200" dirty="0" smtClean="0"/>
-          </a:p>
-          <a:p>
-            <a:r>
-              <a:rPr lang="zh-CN" altLang="en-US" sz="3200" dirty="0" smtClean="0"/>
-              <a:t>在你打开箱子看之前，那个放射性物质处在“衰变”和“没有衰变”的量子叠加态 </a:t>
-            </a:r>
-            <a:r>
-              <a:rPr lang="en-US" altLang="zh-CN" sz="3200" dirty="0" smtClean="0"/>
-              <a:t>—— </a:t>
-            </a:r>
-            <a:r>
-              <a:rPr lang="zh-CN" altLang="en-US" sz="3200" dirty="0" smtClean="0"/>
-              <a:t>既衰变了，也没有衰变。那么请问，在你打开箱子看之前，那只猫 </a:t>
-            </a:r>
-            <a:r>
-              <a:rPr lang="en-US" altLang="zh-CN" sz="3200" dirty="0" smtClean="0"/>
-              <a:t>—— </a:t>
-            </a:r>
-            <a:r>
-              <a:rPr lang="zh-CN" altLang="en-US" sz="3200" dirty="0" smtClean="0"/>
-              <a:t>一个宏观的物体 </a:t>
-            </a:r>
-            <a:r>
-              <a:rPr lang="en-US" altLang="zh-CN" sz="3200" dirty="0" smtClean="0"/>
-              <a:t>—— </a:t>
-            </a:r>
-            <a:r>
-              <a:rPr lang="zh-CN" altLang="en-US" sz="3200" dirty="0" smtClean="0"/>
-              <a:t>难道也处在量子叠加态吗？什么叫“猫既是死的，也是活的？</a:t>
-            </a:r>
-            <a:endParaRPr lang="zh-CN" altLang="en-US" sz="3200" dirty="0"/>
+              <a:rPr lang="zh-CN" altLang="en-US" sz="4800" b="1" dirty="0" smtClean="0"/>
+              <a:t>不存在</a:t>
+            </a:r>
+            <a:endParaRPr lang="zh-CN" altLang="en-US" sz="4800" b="1" dirty="0"/>
           </a:p>
         </p:txBody>
       </p:sp>
@@ -3968,8 +4083,8 @@
         </p:nvSpPr>
         <p:spPr>
           <a:xfrm>
-            <a:off x="536811" y="5240741"/>
-            <a:ext cx="11254855" cy="1077218"/>
+            <a:off x="373039" y="1272992"/>
+            <a:ext cx="11186615" cy="4154984"/>
           </a:xfrm>
           <a:prstGeom prst="rect">
             <a:avLst/>
@@ -3982,17 +4097,16 @@
           <a:lstStyle/>
           <a:p>
             <a:r>
-              <a:rPr lang="zh-CN" altLang="en-US" sz="3200" dirty="0" smtClean="0"/>
-              <a:t>这个思想实验把微观的量子不确定性和宏观世界直接联系在了一起。</a:t>
-            </a:r>
-            <a:endParaRPr lang="zh-CN" altLang="en-US" sz="3200" dirty="0"/>
+              <a:rPr lang="zh-CN" altLang="en-US" sz="4400" dirty="0"/>
+              <a:t>如果仅仅是“测不准”，那就是“或者在这里或者在那里”，只不过我测不准，或者我的测量改变了原本的结果而已。但量子力学是“既在这里又在那里” —— 不仅仅你测不准，而是观测之前根本就*不存在*一个特定的位置。</a:t>
+            </a:r>
           </a:p>
         </p:txBody>
       </p:sp>
     </p:spTree>
     <p:extLst>
       <p:ext uri="{BB962C8B-B14F-4D97-AF65-F5344CB8AC3E}">
-        <p14:creationId xmlns:p14="http://schemas.microsoft.com/office/powerpoint/2010/main" val="1522054385"/>
+        <p14:creationId xmlns:p14="http://schemas.microsoft.com/office/powerpoint/2010/main" val="3202752590"/>
       </p:ext>
     </p:extLst>
   </p:cSld>
@@ -4034,8 +4148,8 @@
         </p:nvSpPr>
         <p:spPr>
           <a:xfrm>
-            <a:off x="573205" y="354841"/>
-            <a:ext cx="10931858" cy="6186309"/>
+            <a:off x="364110" y="970045"/>
+            <a:ext cx="11259403" cy="5078313"/>
           </a:xfrm>
           <a:prstGeom prst="rect">
             <a:avLst/>
@@ -4048,24 +4162,93 @@
           <a:lstStyle/>
           <a:p>
             <a:r>
-              <a:rPr lang="zh-CN" altLang="en-US" sz="4400" dirty="0" smtClean="0"/>
-              <a:t>薛定谔的“滚”？</a:t>
-            </a:r>
-            <a:endParaRPr lang="en-US" altLang="zh-CN" sz="4400" dirty="0" smtClean="0"/>
-          </a:p>
-          <a:p>
-            <a:r>
-              <a:rPr lang="zh-CN" altLang="en-US" sz="4400" dirty="0" smtClean="0"/>
-              <a:t>当你的女朋友对你说出“滚”时，即进入了薛定谔的“滚”的状态。在这时，女朋友可能是想让你抱住她，也可能是让你真的滚。在你作出实际的动作之前，女朋友处于既要你紧紧抱住她，又要你真的有多远滚多远的叠加状态，你能预见到这两种状态但又永远无法确定女朋友到底要闹哪样，直到你进行下一步行动。</a:t>
-            </a:r>
-            <a:endParaRPr lang="zh-CN" altLang="en-US" sz="4400" dirty="0"/>
+              <a:rPr lang="zh-CN" altLang="en-US" sz="3600" dirty="0" smtClean="0">
+                <a:solidFill>
+                  <a:srgbClr val="FF0000"/>
+                </a:solidFill>
+              </a:rPr>
+              <a:t>在</a:t>
+            </a:r>
+            <a:r>
+              <a:rPr lang="zh-CN" altLang="en-US" sz="3600" dirty="0" smtClean="0">
+                <a:solidFill>
+                  <a:srgbClr val="FF0000"/>
+                </a:solidFill>
+              </a:rPr>
+              <a:t>量子力学框架内，你根本就不应该</a:t>
+            </a:r>
+            <a:r>
+              <a:rPr lang="zh-CN" altLang="en-US" sz="3600" dirty="0" smtClean="0">
+                <a:solidFill>
+                  <a:srgbClr val="FF0000"/>
+                </a:solidFill>
+              </a:rPr>
+              <a:t>问。</a:t>
+            </a:r>
+            <a:endParaRPr lang="en-US" altLang="zh-CN" sz="3600" dirty="0" smtClean="0">
+              <a:solidFill>
+                <a:srgbClr val="FF0000"/>
+              </a:solidFill>
+            </a:endParaRPr>
+          </a:p>
+          <a:p>
+            <a:r>
+              <a:rPr lang="zh-CN" altLang="en-US" sz="3600" dirty="0" smtClean="0"/>
+              <a:t>下面这张图，左边是我们传统上对电子位置的想象 </a:t>
+            </a:r>
+            <a:r>
+              <a:rPr lang="en-US" altLang="zh-CN" sz="3600" dirty="0" smtClean="0"/>
+              <a:t>—— </a:t>
+            </a:r>
+            <a:r>
+              <a:rPr lang="zh-CN" altLang="en-US" sz="3600" dirty="0" smtClean="0"/>
+              <a:t>它就好像一个行星绕着太阳转一样，在一个轨道上绕着原子核转。这个图像是错误的。电子根本就没有什么轨道，根本就没有什么“位置”。 正确图像是右边这个，电子是一片“云” </a:t>
+            </a:r>
+            <a:r>
+              <a:rPr lang="en-US" altLang="zh-CN" sz="3600" dirty="0" smtClean="0"/>
+              <a:t>—— </a:t>
+            </a:r>
+            <a:r>
+              <a:rPr lang="zh-CN" altLang="en-US" sz="3600" dirty="0" smtClean="0"/>
+              <a:t>在你测量它之前，它*同时*出现在原子核附近的所有地方。这就是微观世界。我们在宏观世界的一些概念，位置、速度，甚至时间，在微观世界都要重新反思。</a:t>
+            </a:r>
+            <a:endParaRPr lang="zh-CN" altLang="en-US" sz="3600" dirty="0"/>
+          </a:p>
+        </p:txBody>
+      </p:sp>
+      <p:sp>
+        <p:nvSpPr>
+          <p:cNvPr id="2" name="矩形 1"/>
+          <p:cNvSpPr/>
+          <p:nvPr/>
+        </p:nvSpPr>
+        <p:spPr>
+          <a:xfrm>
+            <a:off x="364110" y="323714"/>
+            <a:ext cx="8494633" cy="646331"/>
+          </a:xfrm>
+          <a:prstGeom prst="rect">
+            <a:avLst/>
+          </a:prstGeom>
+        </p:spPr>
+        <p:txBody>
+          <a:bodyPr wrap="none">
+            <a:spAutoFit/>
+          </a:bodyPr>
+          <a:lstStyle/>
+          <a:p>
+            <a:r>
+              <a:rPr lang="zh-CN" altLang="en-US" sz="3600" dirty="0" smtClean="0"/>
+              <a:t>这个原子中的这个电子现在到底在哪里？</a:t>
+            </a:r>
+            <a:endParaRPr lang="zh-CN" altLang="en-US" sz="3600" dirty="0"/>
           </a:p>
         </p:txBody>
       </p:sp>
     </p:spTree>
     <p:extLst>
       <p:ext uri="{BB962C8B-B14F-4D97-AF65-F5344CB8AC3E}">
-        <p14:creationId xmlns:p14="http://schemas.microsoft.com/office/powerpoint/2010/main" val="604802966"/>
+        <p14:creationId xmlns:p14="http://schemas.microsoft.com/office/powerpoint/2010/main" val="1854087890"/>
       </p:ext>
     </p:extLst>
   </p:cSld>
